--- a/folien/week2.pptx
+++ b/folien/week2.pptx
@@ -9,8 +9,8 @@
   </p:notesMasterIdLst>
   <p:sldIdLst>
     <p:sldId id="257" r:id="rId2"/>
-    <p:sldId id="288" r:id="rId3"/>
-    <p:sldId id="283" r:id="rId4"/>
+    <p:sldId id="283" r:id="rId3"/>
+    <p:sldId id="288" r:id="rId4"/>
     <p:sldId id="259" r:id="rId5"/>
     <p:sldId id="284" r:id="rId6"/>
     <p:sldId id="285" r:id="rId7"/>
@@ -119,8 +119,8 @@
         <p14:section name="Default Section" id="{14B77305-5555-4F75-A98A-E4A4AFE81357}">
           <p14:sldIdLst>
             <p14:sldId id="257"/>
+            <p14:sldId id="283"/>
             <p14:sldId id="288"/>
-            <p14:sldId id="283"/>
             <p14:sldId id="259"/>
             <p14:sldId id="284"/>
             <p14:sldId id="285"/>
@@ -229,7 +229,7 @@
           <a:p>
             <a:fld id="{21C000D9-2858-4F4C-AF5C-64F79A7C2410}" type="datetimeFigureOut">
               <a:rPr lang="en-US" smtClean="0"/>
-              <a:t>4/4/2022</a:t>
+              <a:t>4/11/2022</a:t>
             </a:fld>
             <a:endParaRPr lang="en-US"/>
           </a:p>
@@ -3618,7 +3618,7 @@
                 <a:latin typeface="Arial" panose="020B0604020202020204" pitchFamily="34" charset="0"/>
                 <a:cs typeface="Arial" panose="020B0604020202020204" pitchFamily="34" charset="0"/>
               </a:rPr>
-              <a:t>20.10.21</a:t>
+              <a:t>12.04.22</a:t>
             </a:r>
           </a:p>
         </p:txBody>
@@ -3658,7 +3658,7 @@
           <p:cNvPr id="2" name="Title 1">
             <a:extLst>
               <a:ext uri="{FF2B5EF4-FFF2-40B4-BE49-F238E27FC236}">
-                <a16:creationId xmlns:a16="http://schemas.microsoft.com/office/drawing/2014/main" id="{E4D9F5BB-26C7-445F-AD34-6A60DB589A2A}"/>
+                <a16:creationId xmlns:a16="http://schemas.microsoft.com/office/drawing/2014/main" id="{10A41031-F05F-46D5-B348-8FF3FB7669D2}"/>
               </a:ext>
             </a:extLst>
           </p:cNvPr>
@@ -3675,12 +3675,8 @@
           <a:lstStyle/>
           <a:p>
             <a:r>
-              <a:rPr lang="de-DE" dirty="0" err="1"/>
-              <a:t>Einfuehrungspraesentation</a:t>
-            </a:r>
-            <a:r>
               <a:rPr lang="de-DE" dirty="0"/>
-              <a:t> </a:t>
+              <a:t>Lernen: was ist nachhaltig? </a:t>
             </a:r>
           </a:p>
         </p:txBody>
@@ -3690,7 +3686,7 @@
           <p:cNvPr id="3" name="Text Placeholder 2">
             <a:extLst>
               <a:ext uri="{FF2B5EF4-FFF2-40B4-BE49-F238E27FC236}">
-                <a16:creationId xmlns:a16="http://schemas.microsoft.com/office/drawing/2014/main" id="{6401BDA4-80C0-4F70-A0A0-F4037BA36057}"/>
+                <a16:creationId xmlns:a16="http://schemas.microsoft.com/office/drawing/2014/main" id="{EB64153E-94A8-4471-922A-F40F2E9D238B}"/>
               </a:ext>
             </a:extLst>
           </p:cNvPr>
@@ -3701,64 +3697,136 @@
             <p:ph type="body" sz="quarter" idx="10"/>
           </p:nvPr>
         </p:nvSpPr>
+        <p:spPr/>
+        <p:txBody>
+          <a:bodyPr/>
+          <a:lstStyle/>
+          <a:p>
+            <a:r>
+              <a:rPr lang="de-DE" sz="1200" dirty="0" err="1"/>
+              <a:t>Hilgard</a:t>
+            </a:r>
+            <a:r>
+              <a:rPr lang="de-DE" sz="1200" dirty="0"/>
+              <a:t> und Bower (1971):</a:t>
+            </a:r>
+          </a:p>
+          <a:p>
+            <a:pPr lvl="1"/>
+            <a:r>
+              <a:rPr lang="de-DE" sz="1400" dirty="0"/>
+              <a:t>Lernen ist die relativ dauerhafte Verhaltensänderung aufgrund von Erfahrung, von Interaktionen eines lernenden Organismus mit der Umwelt.</a:t>
+            </a:r>
+          </a:p>
+          <a:p>
+            <a:r>
+              <a:rPr lang="de-DE" sz="1200" dirty="0"/>
+              <a:t>Nicht:</a:t>
+            </a:r>
+          </a:p>
+          <a:p>
+            <a:pPr lvl="1"/>
+            <a:r>
+              <a:rPr lang="de-DE" sz="1400" dirty="0"/>
+              <a:t>Biologischer Reifung</a:t>
+            </a:r>
+          </a:p>
+          <a:p>
+            <a:pPr lvl="1"/>
+            <a:r>
+              <a:rPr lang="de-DE" sz="1400" dirty="0"/>
+              <a:t>Drogenkonsum</a:t>
+            </a:r>
+          </a:p>
+          <a:p>
+            <a:r>
+              <a:rPr lang="de-DE" sz="1200" dirty="0"/>
+              <a:t>Seel und Hanke, 2015:</a:t>
+            </a:r>
+          </a:p>
+          <a:p>
+            <a:pPr lvl="1"/>
+            <a:r>
+              <a:rPr lang="de-DE" sz="1400" dirty="0"/>
+              <a:t>Kognitiv </a:t>
+            </a:r>
+            <a:r>
+              <a:rPr lang="de-DE" sz="1400" dirty="0" err="1"/>
+              <a:t>vs</a:t>
+            </a:r>
+            <a:r>
+              <a:rPr lang="de-DE" sz="1400" dirty="0"/>
+              <a:t> Verhalten</a:t>
+            </a:r>
+          </a:p>
+          <a:p>
+            <a:pPr lvl="1"/>
+            <a:r>
+              <a:rPr lang="de-DE" sz="1400" dirty="0"/>
+              <a:t>Dispositionell vs. manifest</a:t>
+            </a:r>
+          </a:p>
+          <a:p>
+            <a:pPr lvl="1"/>
+            <a:r>
+              <a:rPr lang="de-DE" sz="1400" dirty="0"/>
+              <a:t>Konstruktiv vs. systematisch / technologisch</a:t>
+            </a:r>
+          </a:p>
+          <a:p>
+            <a:pPr lvl="1"/>
+            <a:r>
+              <a:rPr lang="de-DE" sz="1400" dirty="0"/>
+              <a:t>Kumulativ vs. unabhängig</a:t>
+            </a:r>
+          </a:p>
+          <a:p>
+            <a:pPr lvl="1"/>
+            <a:r>
+              <a:rPr lang="de-DE" sz="1400" dirty="0"/>
+              <a:t>Zielgerichtet und kontextspezifisch</a:t>
+            </a:r>
+          </a:p>
+          <a:p>
+            <a:pPr lvl="1"/>
+            <a:endParaRPr lang="de-DE" sz="1400" dirty="0"/>
+          </a:p>
+        </p:txBody>
+      </p:sp>
+      <p:pic>
+        <p:nvPicPr>
+          <p:cNvPr id="5" name="Picture 4">
+            <a:extLst>
+              <a:ext uri="{FF2B5EF4-FFF2-40B4-BE49-F238E27FC236}">
+                <a16:creationId xmlns:a16="http://schemas.microsoft.com/office/drawing/2014/main" id="{1DBDF86F-329F-4471-A649-33ED002101F7}"/>
+              </a:ext>
+            </a:extLst>
+          </p:cNvPr>
+          <p:cNvPicPr>
+            <a:picLocks noChangeAspect="1"/>
+          </p:cNvPicPr>
+          <p:nvPr/>
+        </p:nvPicPr>
+        <p:blipFill>
+          <a:blip r:embed="rId2"/>
+          <a:stretch>
+            <a:fillRect/>
+          </a:stretch>
+        </p:blipFill>
         <p:spPr>
           <a:xfrm>
-            <a:off x="251520" y="1491630"/>
-            <a:ext cx="8642350" cy="3240087"/>
+            <a:off x="4427984" y="1995686"/>
+            <a:ext cx="4613746" cy="3003797"/>
           </a:xfrm>
+          <a:prstGeom prst="rect">
+            <a:avLst/>
+          </a:prstGeom>
         </p:spPr>
-        <p:txBody>
-          <a:bodyPr/>
-          <a:lstStyle/>
-          <a:p>
-            <a:r>
-              <a:rPr lang="de-DE" sz="2000" dirty="0"/>
-              <a:t>Kurz</a:t>
-            </a:r>
-          </a:p>
-          <a:p>
-            <a:r>
-              <a:rPr lang="de-DE" sz="2000" dirty="0"/>
-              <a:t>Ziel 1: „Interpretationshilfe“ - bietet alle erst mal ein Basis-Verständnis.</a:t>
-            </a:r>
-          </a:p>
-          <a:p>
-            <a:pPr lvl="1"/>
-            <a:r>
-              <a:rPr lang="de-DE" sz="2400" dirty="0"/>
-              <a:t>Was sind die entscheidende Gedanken des Textes? </a:t>
-            </a:r>
-          </a:p>
-          <a:p>
-            <a:r>
-              <a:rPr lang="de-DE" sz="2000" dirty="0"/>
-              <a:t>Ziel 2: „</a:t>
-            </a:r>
-            <a:r>
-              <a:rPr lang="de-DE" sz="2000" dirty="0" err="1"/>
-              <a:t>Diskussionsfoerderung</a:t>
-            </a:r>
-            <a:r>
-              <a:rPr lang="de-DE" sz="2000" dirty="0"/>
-              <a:t>“</a:t>
-            </a:r>
-          </a:p>
-          <a:p>
-            <a:pPr lvl="1"/>
-            <a:r>
-              <a:rPr lang="de-DE" sz="2400" dirty="0"/>
-              <a:t>Wie bewerten sie die Gedanken? </a:t>
-            </a:r>
-          </a:p>
-          <a:p>
-            <a:endParaRPr lang="de-DE" sz="2000" dirty="0"/>
-          </a:p>
-        </p:txBody>
-      </p:sp>
+      </p:pic>
     </p:spTree>
     <p:extLst>
       <p:ext uri="{BB962C8B-B14F-4D97-AF65-F5344CB8AC3E}">
-        <p14:creationId xmlns:p14="http://schemas.microsoft.com/office/powerpoint/2010/main" val="1097218487"/>
+        <p14:creationId xmlns:p14="http://schemas.microsoft.com/office/powerpoint/2010/main" val="1840812477"/>
       </p:ext>
     </p:extLst>
   </p:cSld>
@@ -3790,7 +3858,7 @@
           <p:cNvPr id="2" name="Title 1">
             <a:extLst>
               <a:ext uri="{FF2B5EF4-FFF2-40B4-BE49-F238E27FC236}">
-                <a16:creationId xmlns:a16="http://schemas.microsoft.com/office/drawing/2014/main" id="{10A41031-F05F-46D5-B348-8FF3FB7669D2}"/>
+                <a16:creationId xmlns:a16="http://schemas.microsoft.com/office/drawing/2014/main" id="{E4D9F5BB-26C7-445F-AD34-6A60DB589A2A}"/>
               </a:ext>
             </a:extLst>
           </p:cNvPr>
@@ -3807,8 +3875,12 @@
           <a:lstStyle/>
           <a:p>
             <a:r>
+              <a:rPr lang="de-DE" dirty="0" err="1"/>
+              <a:t>Einfuehrungspraesentation</a:t>
+            </a:r>
+            <a:r>
               <a:rPr lang="de-DE" dirty="0"/>
-              <a:t>Lernen: was ist nachhaltig? </a:t>
+              <a:t> </a:t>
             </a:r>
           </a:p>
         </p:txBody>
@@ -3818,7 +3890,7 @@
           <p:cNvPr id="3" name="Text Placeholder 2">
             <a:extLst>
               <a:ext uri="{FF2B5EF4-FFF2-40B4-BE49-F238E27FC236}">
-                <a16:creationId xmlns:a16="http://schemas.microsoft.com/office/drawing/2014/main" id="{EB64153E-94A8-4471-922A-F40F2E9D238B}"/>
+                <a16:creationId xmlns:a16="http://schemas.microsoft.com/office/drawing/2014/main" id="{6401BDA4-80C0-4F70-A0A0-F4037BA36057}"/>
               </a:ext>
             </a:extLst>
           </p:cNvPr>
@@ -3829,106 +3901,64 @@
             <p:ph type="body" sz="quarter" idx="10"/>
           </p:nvPr>
         </p:nvSpPr>
-        <p:spPr/>
+        <p:spPr>
+          <a:xfrm>
+            <a:off x="251520" y="1491630"/>
+            <a:ext cx="8642350" cy="3240087"/>
+          </a:xfrm>
+        </p:spPr>
         <p:txBody>
           <a:bodyPr/>
           <a:lstStyle/>
           <a:p>
             <a:r>
-              <a:rPr lang="de-DE" sz="1200" dirty="0" err="1"/>
-              <a:t>Hilgard</a:t>
-            </a:r>
-            <a:r>
-              <a:rPr lang="de-DE" sz="1200" dirty="0"/>
-              <a:t> und Bower (1971):</a:t>
+              <a:rPr lang="de-DE" sz="2000" dirty="0"/>
+              <a:t>Kurz</a:t>
+            </a:r>
+          </a:p>
+          <a:p>
+            <a:r>
+              <a:rPr lang="de-DE" sz="2000" dirty="0"/>
+              <a:t>Ziel 1: „Interpretationshilfe“ - bietet alle erst mal ein Basis-Verständnis.</a:t>
             </a:r>
           </a:p>
           <a:p>
             <a:pPr lvl="1"/>
             <a:r>
-              <a:rPr lang="de-DE" sz="1400" dirty="0"/>
-              <a:t>Lernen ist die relativ dauerhafte Verhaltensänderung aufgrund von Erfahrung, von Interaktionen eines lernenden Organismus mit der Umwelt.</a:t>
-            </a:r>
-          </a:p>
-          <a:p>
-            <a:r>
-              <a:rPr lang="de-DE" sz="1200" dirty="0"/>
-              <a:t>Nicht:</a:t>
+              <a:rPr lang="de-DE" sz="2400" dirty="0"/>
+              <a:t>Was sind die entscheidende Gedanken des Textes? </a:t>
+            </a:r>
+          </a:p>
+          <a:p>
+            <a:r>
+              <a:rPr lang="de-DE" sz="2000" dirty="0"/>
+              <a:t>Ziel 2: „</a:t>
+            </a:r>
+            <a:r>
+              <a:rPr lang="de-DE" sz="2000" dirty="0" err="1"/>
+              <a:t>Diskussionsfoerderung</a:t>
+            </a:r>
+            <a:r>
+              <a:rPr lang="de-DE" sz="2000" dirty="0"/>
+              <a:t>“</a:t>
             </a:r>
           </a:p>
           <a:p>
             <a:pPr lvl="1"/>
             <a:r>
-              <a:rPr lang="de-DE" sz="1400" dirty="0"/>
-              <a:t>Biologischer Reifung</a:t>
-            </a:r>
-          </a:p>
-          <a:p>
-            <a:pPr lvl="1"/>
-            <a:r>
-              <a:rPr lang="de-DE" sz="1400" dirty="0"/>
-              <a:t>Drogenkonsum</a:t>
-            </a:r>
-          </a:p>
-          <a:p>
-            <a:r>
-              <a:rPr lang="de-DE" sz="1200" dirty="0"/>
-              <a:t>Vgl.: Kognitiv </a:t>
-            </a:r>
-            <a:r>
-              <a:rPr lang="de-DE" sz="1200" dirty="0" err="1"/>
-              <a:t>vs</a:t>
-            </a:r>
-            <a:r>
-              <a:rPr lang="de-DE" sz="1200" dirty="0"/>
-              <a:t> Verhalten (Seel und Hanke, 2015):</a:t>
-            </a:r>
-          </a:p>
-          <a:p>
-            <a:pPr lvl="1"/>
-            <a:r>
-              <a:rPr lang="de-DE" sz="1400" dirty="0"/>
-              <a:t>Dispositionell vs. manifest</a:t>
-            </a:r>
-          </a:p>
-          <a:p>
-            <a:pPr lvl="1"/>
-            <a:r>
-              <a:rPr lang="de-DE" sz="1400" dirty="0"/>
-              <a:t>Konstruktiv vs. systematisch / technologisch</a:t>
-            </a:r>
-          </a:p>
-          <a:p>
-            <a:pPr lvl="1"/>
-            <a:r>
-              <a:rPr lang="de-DE" sz="1400" dirty="0"/>
-              <a:t>Kumulativ vs. unabhängig</a:t>
-            </a:r>
-          </a:p>
-          <a:p>
-            <a:pPr lvl="1"/>
-            <a:r>
-              <a:rPr lang="de-DE" sz="1400" dirty="0"/>
-              <a:t>Zielgerichtet </a:t>
-            </a:r>
-          </a:p>
-          <a:p>
-            <a:pPr lvl="1"/>
-            <a:r>
-              <a:rPr lang="de-DE" sz="1400" dirty="0"/>
-              <a:t>Kontextspezifisch</a:t>
-            </a:r>
-          </a:p>
-          <a:p>
-            <a:pPr lvl="1"/>
-            <a:endParaRPr lang="de-DE" sz="1400" dirty="0"/>
+              <a:rPr lang="de-DE" sz="2400" dirty="0"/>
+              <a:t>Wie bewerten sie die Gedanken? </a:t>
+            </a:r>
+          </a:p>
+          <a:p>
+            <a:endParaRPr lang="de-DE" sz="2000" dirty="0"/>
           </a:p>
         </p:txBody>
       </p:sp>
     </p:spTree>
     <p:extLst>
       <p:ext uri="{BB962C8B-B14F-4D97-AF65-F5344CB8AC3E}">
-        <p14:creationId xmlns:p14="http://schemas.microsoft.com/office/powerpoint/2010/main" val="1840812477"/>
+        <p14:creationId xmlns:p14="http://schemas.microsoft.com/office/powerpoint/2010/main" val="1097218487"/>
       </p:ext>
     </p:extLst>
   </p:cSld>

--- a/folien/week2.pptx
+++ b/folien/week2.pptx
@@ -5,7 +5,7 @@
     <p:sldMasterId id="2147483664" r:id="rId1"/>
   </p:sldMasterIdLst>
   <p:notesMasterIdLst>
-    <p:notesMasterId r:id="rId9"/>
+    <p:notesMasterId r:id="rId12"/>
   </p:notesMasterIdLst>
   <p:sldIdLst>
     <p:sldId id="257" r:id="rId2"/>
@@ -13,8 +13,11 @@
     <p:sldId id="288" r:id="rId4"/>
     <p:sldId id="259" r:id="rId5"/>
     <p:sldId id="284" r:id="rId6"/>
-    <p:sldId id="285" r:id="rId7"/>
-    <p:sldId id="270" r:id="rId8"/>
+    <p:sldId id="289" r:id="rId7"/>
+    <p:sldId id="290" r:id="rId8"/>
+    <p:sldId id="291" r:id="rId9"/>
+    <p:sldId id="285" r:id="rId10"/>
+    <p:sldId id="270" r:id="rId11"/>
   </p:sldIdLst>
   <p:sldSz cx="9144000" cy="5143500" type="screen16x9"/>
   <p:notesSz cx="6858000" cy="9144000"/>
@@ -123,6 +126,9 @@
             <p14:sldId id="288"/>
             <p14:sldId id="259"/>
             <p14:sldId id="284"/>
+            <p14:sldId id="289"/>
+            <p14:sldId id="290"/>
+            <p14:sldId id="291"/>
             <p14:sldId id="285"/>
             <p14:sldId id="270"/>
           </p14:sldIdLst>
@@ -229,7 +235,7 @@
           <a:p>
             <a:fld id="{21C000D9-2858-4F4C-AF5C-64F79A7C2410}" type="datetimeFigureOut">
               <a:rPr lang="en-US" smtClean="0"/>
-              <a:t>4/11/2022</a:t>
+              <a:t>4/12/2022</a:t>
             </a:fld>
             <a:endParaRPr lang="en-US"/>
           </a:p>
@@ -387,7 +393,7 @@
           <a:p>
             <a:fld id="{C347FAF7-5C4E-4642-B377-C3A2CDCC9DA1}" type="slidenum">
               <a:rPr lang="en-US" smtClean="0"/>
-              <a:t>‹#›</a:t>
+              <a:t>‹Nr.›</a:t>
             </a:fld>
             <a:endParaRPr lang="en-US"/>
           </a:p>
@@ -865,7 +871,7 @@
           <a:p>
             <a:fld id="{C347FAF7-5C4E-4642-B377-C3A2CDCC9DA1}" type="slidenum">
               <a:rPr lang="en-US" smtClean="0"/>
-              <a:t>6</a:t>
+              <a:t>9</a:t>
             </a:fld>
             <a:endParaRPr lang="en-US"/>
           </a:p>
@@ -949,7 +955,7 @@
           <a:p>
             <a:fld id="{C347FAF7-5C4E-4642-B377-C3A2CDCC9DA1}" type="slidenum">
               <a:rPr lang="en-US" smtClean="0"/>
-              <a:t>7</a:t>
+              <a:t>10</a:t>
             </a:fld>
             <a:endParaRPr lang="en-US"/>
           </a:p>
@@ -1220,7 +1226,7 @@
             <a:fld id="{63CECEBB-547B-4598-95D8-3FB4D608B5D5}" type="slidenum">
               <a:rPr lang="de-DE" smtClean="0"/>
               <a:pPr/>
-              <a:t>‹#›</a:t>
+              <a:t>‹Nr.›</a:t>
             </a:fld>
             <a:endParaRPr lang="de-DE" dirty="0"/>
           </a:p>
@@ -1488,7 +1494,7 @@
             <a:fld id="{63CECEBB-547B-4598-95D8-3FB4D608B5D5}" type="slidenum">
               <a:rPr lang="de-DE" smtClean="0"/>
               <a:pPr/>
-              <a:t>‹#›</a:t>
+              <a:t>‹Nr.›</a:t>
             </a:fld>
             <a:endParaRPr lang="de-DE" dirty="0"/>
           </a:p>
@@ -1746,7 +1752,7 @@
             <a:fld id="{63CECEBB-547B-4598-95D8-3FB4D608B5D5}" type="slidenum">
               <a:rPr lang="de-DE" smtClean="0"/>
               <a:pPr/>
-              <a:t>‹#›</a:t>
+              <a:t>‹Nr.›</a:t>
             </a:fld>
             <a:endParaRPr lang="de-DE" dirty="0"/>
           </a:p>
@@ -2005,7 +2011,7 @@
             <a:fld id="{63CECEBB-547B-4598-95D8-3FB4D608B5D5}" type="slidenum">
               <a:rPr lang="de-DE" smtClean="0"/>
               <a:pPr/>
-              <a:t>‹#›</a:t>
+              <a:t>‹Nr.›</a:t>
             </a:fld>
             <a:endParaRPr lang="de-DE" dirty="0"/>
           </a:p>
@@ -2261,7 +2267,7 @@
             <a:fld id="{63CECEBB-547B-4598-95D8-3FB4D608B5D5}" type="slidenum">
               <a:rPr lang="de-DE" smtClean="0"/>
               <a:pPr/>
-              <a:t>‹#›</a:t>
+              <a:t>‹Nr.›</a:t>
             </a:fld>
             <a:endParaRPr lang="de-DE" dirty="0"/>
           </a:p>
@@ -2443,7 +2449,7 @@
             <a:fld id="{63CECEBB-547B-4598-95D8-3FB4D608B5D5}" type="slidenum">
               <a:rPr lang="de-DE" smtClean="0"/>
               <a:pPr/>
-              <a:t>‹#›</a:t>
+              <a:t>‹Nr.›</a:t>
             </a:fld>
             <a:endParaRPr lang="de-DE" dirty="0"/>
           </a:p>
@@ -3633,6 +3639,180 @@
   <p:clrMapOvr>
     <a:masterClrMapping/>
   </p:clrMapOvr>
+  <p:timing>
+    <p:tnLst>
+      <p:par>
+        <p:cTn id="1" dur="indefinite" restart="never" nodeType="tmRoot"/>
+      </p:par>
+    </p:tnLst>
+  </p:timing>
+</p:sld>
+</file>
+
+<file path=ppt/slides/slide10.xml><?xml version="1.0" encoding="utf-8"?>
+<p:sld xmlns:a="http://schemas.openxmlformats.org/drawingml/2006/main" xmlns:r="http://schemas.openxmlformats.org/officeDocument/2006/relationships" xmlns:p="http://schemas.openxmlformats.org/presentationml/2006/main">
+  <p:cSld>
+    <p:spTree>
+      <p:nvGrpSpPr>
+        <p:cNvPr id="1" name=""/>
+        <p:cNvGrpSpPr/>
+        <p:nvPr/>
+      </p:nvGrpSpPr>
+      <p:grpSpPr>
+        <a:xfrm>
+          <a:off x="0" y="0"/>
+          <a:ext cx="0" cy="0"/>
+          <a:chOff x="0" y="0"/>
+          <a:chExt cx="0" cy="0"/>
+        </a:xfrm>
+      </p:grpSpPr>
+      <p:sp>
+        <p:nvSpPr>
+          <p:cNvPr id="2" name="Title 1">
+            <a:extLst>
+              <a:ext uri="{FF2B5EF4-FFF2-40B4-BE49-F238E27FC236}">
+                <a16:creationId xmlns:a16="http://schemas.microsoft.com/office/drawing/2014/main" id="{0DC37077-DE75-4E1A-9675-9E8C39ED87C0}"/>
+              </a:ext>
+            </a:extLst>
+          </p:cNvPr>
+          <p:cNvSpPr>
+            <a:spLocks noGrp="1"/>
+          </p:cNvSpPr>
+          <p:nvPr>
+            <p:ph type="title"/>
+          </p:nvPr>
+        </p:nvSpPr>
+        <p:spPr/>
+        <p:txBody>
+          <a:bodyPr/>
+          <a:lstStyle/>
+          <a:p>
+            <a:r>
+              <a:rPr lang="de-DE" sz="1800" dirty="0"/>
+              <a:t>Nächste</a:t>
+            </a:r>
+            <a:r>
+              <a:rPr lang="en-US" sz="1800" dirty="0"/>
+              <a:t> </a:t>
+            </a:r>
+            <a:r>
+              <a:rPr lang="en-US" sz="1800" dirty="0" err="1"/>
+              <a:t>Woche</a:t>
+            </a:r>
+            <a:r>
+              <a:rPr lang="en-US" sz="1800" dirty="0"/>
+              <a:t>: </a:t>
+            </a:r>
+            <a:r>
+              <a:rPr lang="de-DE" sz="1800"/>
+              <a:t>Bildung</a:t>
+            </a:r>
+            <a:r>
+              <a:rPr lang="de-DE" sz="1800" dirty="0"/>
+              <a:t/>
+            </a:r>
+            <a:br>
+              <a:rPr lang="de-DE" sz="1800" dirty="0"/>
+            </a:br>
+            <a:endParaRPr lang="en-US" sz="1800" dirty="0"/>
+          </a:p>
+        </p:txBody>
+      </p:sp>
+      <p:sp>
+        <p:nvSpPr>
+          <p:cNvPr id="3" name="Text Placeholder 2">
+            <a:extLst>
+              <a:ext uri="{FF2B5EF4-FFF2-40B4-BE49-F238E27FC236}">
+                <a16:creationId xmlns:a16="http://schemas.microsoft.com/office/drawing/2014/main" id="{9A8B9131-451A-4C09-ABBC-166016A890C0}"/>
+              </a:ext>
+            </a:extLst>
+          </p:cNvPr>
+          <p:cNvSpPr>
+            <a:spLocks noGrp="1"/>
+          </p:cNvSpPr>
+          <p:nvPr>
+            <p:ph type="body" sz="quarter" idx="10"/>
+          </p:nvPr>
+        </p:nvSpPr>
+        <p:spPr/>
+        <p:txBody>
+          <a:bodyPr/>
+          <a:lstStyle/>
+          <a:p>
+            <a:r>
+              <a:rPr lang="de-DE" sz="1400" dirty="0"/>
+              <a:t>Aufgabe (Nachbereitung von heute)</a:t>
+            </a:r>
+          </a:p>
+          <a:p>
+            <a:pPr lvl="1"/>
+            <a:r>
+              <a:rPr lang="de-DE" sz="1400" dirty="0"/>
+              <a:t>Erster Eintrag im Portfolio (Meyer)</a:t>
+            </a:r>
+          </a:p>
+          <a:p>
+            <a:r>
+              <a:rPr lang="de-DE" sz="1400" dirty="0"/>
+              <a:t>Vorbereitendes Material (bevor nächstes Seminar): </a:t>
+            </a:r>
+          </a:p>
+          <a:p>
+            <a:pPr lvl="1"/>
+            <a:r>
+              <a:rPr lang="de-DE" sz="1400" dirty="0" err="1"/>
+              <a:t>Dörpinghaus</a:t>
+            </a:r>
+            <a:r>
+              <a:rPr lang="de-DE" sz="1400" dirty="0"/>
+              <a:t>, Teil 1</a:t>
+            </a:r>
+          </a:p>
+          <a:p>
+            <a:pPr lvl="1"/>
+            <a:r>
+              <a:rPr lang="de-DE" sz="1400" dirty="0"/>
+              <a:t>Interpretationshinweise </a:t>
+            </a:r>
+          </a:p>
+          <a:p>
+            <a:pPr lvl="1"/>
+            <a:r>
+              <a:rPr lang="de-DE" sz="1400" dirty="0">
+                <a:hlinkClick r:id="rId3"/>
+              </a:rPr>
+              <a:t>Humboldt (Podcast) </a:t>
+            </a:r>
+            <a:endParaRPr lang="de-DE" sz="1400" dirty="0"/>
+          </a:p>
+          <a:p>
+            <a:endParaRPr lang="de-DE" sz="1400" dirty="0"/>
+          </a:p>
+          <a:p>
+            <a:endParaRPr lang="en-US" sz="2400" dirty="0"/>
+          </a:p>
+          <a:p>
+            <a:endParaRPr lang="en-US" sz="1400" dirty="0"/>
+          </a:p>
+        </p:txBody>
+      </p:sp>
+    </p:spTree>
+    <p:extLst>
+      <p:ext uri="{BB962C8B-B14F-4D97-AF65-F5344CB8AC3E}">
+        <p14:creationId xmlns:p14="http://schemas.microsoft.com/office/powerpoint/2010/main" val="2015919101"/>
+      </p:ext>
+    </p:extLst>
+  </p:cSld>
+  <p:clrMapOvr>
+    <a:masterClrMapping/>
+  </p:clrMapOvr>
+  <p:timing>
+    <p:tnLst>
+      <p:par>
+        <p:cTn id="1" dur="indefinite" restart="never" nodeType="tmRoot"/>
+      </p:par>
+    </p:tnLst>
+  </p:timing>
 </p:sld>
 </file>
 
@@ -3833,6 +4013,13 @@
   <p:clrMapOvr>
     <a:masterClrMapping/>
   </p:clrMapOvr>
+  <p:timing>
+    <p:tnLst>
+      <p:par>
+        <p:cTn id="1" dur="indefinite" restart="never" nodeType="tmRoot"/>
+      </p:par>
+    </p:tnLst>
+  </p:timing>
 </p:sld>
 </file>
 
@@ -3965,6 +4152,13 @@
   <p:clrMapOvr>
     <a:masterClrMapping/>
   </p:clrMapOvr>
+  <p:timing>
+    <p:tnLst>
+      <p:par>
+        <p:cTn id="1" dur="indefinite" restart="never" nodeType="tmRoot"/>
+      </p:par>
+    </p:tnLst>
+  </p:timing>
 </p:sld>
 </file>
 
@@ -4064,6 +4258,13 @@
   <p:clrMapOvr>
     <a:masterClrMapping/>
   </p:clrMapOvr>
+  <p:timing>
+    <p:tnLst>
+      <p:par>
+        <p:cTn id="1" dur="indefinite" restart="never" nodeType="tmRoot"/>
+      </p:par>
+    </p:tnLst>
+  </p:timing>
 </p:sld>
 </file>
 
@@ -4195,10 +4396,934 @@
   <p:clrMapOvr>
     <a:masterClrMapping/>
   </p:clrMapOvr>
+  <p:timing>
+    <p:tnLst>
+      <p:par>
+        <p:cTn id="1" dur="indefinite" restart="never" nodeType="tmRoot"/>
+      </p:par>
+    </p:tnLst>
+  </p:timing>
 </p:sld>
 </file>
 
 <file path=ppt/slides/slide6.xml><?xml version="1.0" encoding="utf-8"?>
+<p:sld xmlns:a="http://schemas.openxmlformats.org/drawingml/2006/main" xmlns:r="http://schemas.openxmlformats.org/officeDocument/2006/relationships" xmlns:p="http://schemas.openxmlformats.org/presentationml/2006/main">
+  <p:cSld>
+    <p:spTree>
+      <p:nvGrpSpPr>
+        <p:cNvPr id="1" name=""/>
+        <p:cNvGrpSpPr/>
+        <p:nvPr/>
+      </p:nvGrpSpPr>
+      <p:grpSpPr>
+        <a:xfrm>
+          <a:off x="0" y="0"/>
+          <a:ext cx="0" cy="0"/>
+          <a:chOff x="0" y="0"/>
+          <a:chExt cx="0" cy="0"/>
+        </a:xfrm>
+      </p:grpSpPr>
+      <p:sp>
+        <p:nvSpPr>
+          <p:cNvPr id="4" name="Titel 3"/>
+          <p:cNvSpPr>
+            <a:spLocks noGrp="1"/>
+          </p:cNvSpPr>
+          <p:nvPr>
+            <p:ph type="title"/>
+          </p:nvPr>
+        </p:nvSpPr>
+        <p:spPr/>
+        <p:txBody>
+          <a:bodyPr/>
+          <a:lstStyle/>
+          <a:p>
+            <a:endParaRPr lang="en-US"/>
+          </a:p>
+        </p:txBody>
+      </p:sp>
+      <p:sp>
+        <p:nvSpPr>
+          <p:cNvPr id="6" name="Inhaltsplatzhalter 5"/>
+          <p:cNvSpPr>
+            <a:spLocks noGrp="1"/>
+          </p:cNvSpPr>
+          <p:nvPr>
+            <p:ph sz="half" idx="12"/>
+          </p:nvPr>
+        </p:nvSpPr>
+        <p:spPr/>
+        <p:txBody>
+          <a:bodyPr/>
+          <a:lstStyle/>
+          <a:p>
+            <a:r>
+              <a:rPr lang="en-US" strike="sngStrike" dirty="0" smtClean="0"/>
+              <a:t>1 </a:t>
+            </a:r>
+            <a:r>
+              <a:rPr lang="en-US" strike="sngStrike" dirty="0" err="1" smtClean="0"/>
+              <a:t>Zeit</a:t>
+            </a:r>
+            <a:r>
+              <a:rPr lang="en-US" strike="sngStrike" dirty="0" smtClean="0"/>
+              <a:t> und </a:t>
+            </a:r>
+            <a:r>
+              <a:rPr lang="en-US" strike="sngStrike" dirty="0" err="1" smtClean="0"/>
+              <a:t>Raum</a:t>
+            </a:r>
+            <a:endParaRPr lang="en-US" strike="sngStrike" dirty="0" smtClean="0"/>
+          </a:p>
+          <a:p>
+            <a:r>
+              <a:rPr lang="en-US" strike="sngStrike" dirty="0" smtClean="0"/>
+              <a:t>2 </a:t>
+            </a:r>
+            <a:r>
+              <a:rPr lang="en-US" strike="sngStrike" dirty="0" err="1" smtClean="0"/>
+              <a:t>sudost</a:t>
+            </a:r>
+            <a:r>
+              <a:rPr lang="en-US" strike="sngStrike" dirty="0" smtClean="0"/>
+              <a:t> </a:t>
+            </a:r>
+            <a:r>
+              <a:rPr lang="en-US" strike="sngStrike" dirty="0" err="1" smtClean="0"/>
+              <a:t>asien</a:t>
+            </a:r>
+            <a:endParaRPr lang="en-US" strike="sngStrike" dirty="0" smtClean="0"/>
+          </a:p>
+          <a:p>
+            <a:r>
+              <a:rPr lang="en-US" dirty="0" smtClean="0"/>
+              <a:t>3 </a:t>
+            </a:r>
+            <a:r>
+              <a:rPr lang="en-US" dirty="0" err="1" smtClean="0"/>
+              <a:t>deutschland</a:t>
+            </a:r>
+            <a:endParaRPr lang="en-US" dirty="0" smtClean="0"/>
+          </a:p>
+          <a:p>
+            <a:r>
+              <a:rPr lang="en-US" dirty="0" smtClean="0"/>
+              <a:t>4 </a:t>
+            </a:r>
+            <a:r>
+              <a:rPr lang="en-US" dirty="0" err="1" smtClean="0"/>
+              <a:t>dreieck</a:t>
+            </a:r>
+            <a:endParaRPr lang="en-US" dirty="0" smtClean="0"/>
+          </a:p>
+          <a:p>
+            <a:r>
+              <a:rPr lang="en-US" dirty="0" smtClean="0"/>
+              <a:t>5 </a:t>
+            </a:r>
+            <a:r>
+              <a:rPr lang="en-US" dirty="0" err="1" smtClean="0"/>
+              <a:t>dialektisch</a:t>
+            </a:r>
+            <a:endParaRPr lang="en-US" dirty="0" smtClean="0"/>
+          </a:p>
+          <a:p>
+            <a:r>
+              <a:rPr lang="en-US" dirty="0" smtClean="0"/>
+              <a:t>6 </a:t>
+            </a:r>
+            <a:r>
+              <a:rPr lang="en-US" dirty="0" err="1" smtClean="0"/>
+              <a:t>bildungsgangdidaktik</a:t>
+            </a:r>
+            <a:endParaRPr lang="en-US" dirty="0" smtClean="0"/>
+          </a:p>
+          <a:p>
+            <a:r>
+              <a:rPr lang="en-US" dirty="0" smtClean="0"/>
+              <a:t>7 </a:t>
+            </a:r>
+            <a:r>
+              <a:rPr lang="en-US" dirty="0" err="1" smtClean="0"/>
+              <a:t>zukunft</a:t>
+            </a:r>
+            <a:r>
+              <a:rPr lang="en-US" dirty="0" smtClean="0"/>
+              <a:t>: </a:t>
+            </a:r>
+            <a:r>
+              <a:rPr lang="en-US" dirty="0" err="1" smtClean="0"/>
+              <a:t>kein</a:t>
+            </a:r>
+            <a:r>
+              <a:rPr lang="en-US" dirty="0" smtClean="0"/>
+              <a:t> </a:t>
+            </a:r>
+            <a:r>
+              <a:rPr lang="en-US" dirty="0" err="1" smtClean="0"/>
+              <a:t>eingrenzen</a:t>
+            </a:r>
+            <a:endParaRPr lang="en-US" dirty="0" smtClean="0"/>
+          </a:p>
+          <a:p>
+            <a:endParaRPr lang="en-US" dirty="0"/>
+          </a:p>
+        </p:txBody>
+      </p:sp>
+      <p:sp>
+        <p:nvSpPr>
+          <p:cNvPr id="5" name="Inhaltsplatzhalter 4"/>
+          <p:cNvSpPr>
+            <a:spLocks noGrp="1"/>
+          </p:cNvSpPr>
+          <p:nvPr>
+            <p:ph sz="half" idx="11"/>
+          </p:nvPr>
+        </p:nvSpPr>
+        <p:spPr/>
+        <p:txBody>
+          <a:bodyPr/>
+          <a:lstStyle/>
+          <a:p>
+            <a:endParaRPr lang="en-US" dirty="0"/>
+          </a:p>
+        </p:txBody>
+      </p:sp>
+    </p:spTree>
+    <p:extLst>
+      <p:ext uri="{BB962C8B-B14F-4D97-AF65-F5344CB8AC3E}">
+        <p14:creationId xmlns:p14="http://schemas.microsoft.com/office/powerpoint/2010/main" val="12857724"/>
+      </p:ext>
+    </p:extLst>
+  </p:cSld>
+  <p:clrMapOvr>
+    <a:masterClrMapping/>
+  </p:clrMapOvr>
+  <p:timing>
+    <p:tnLst>
+      <p:par>
+        <p:cTn id="1" dur="indefinite" restart="never" nodeType="tmRoot"/>
+      </p:par>
+    </p:tnLst>
+  </p:timing>
+</p:sld>
+</file>
+
+<file path=ppt/slides/slide7.xml><?xml version="1.0" encoding="utf-8"?>
+<p:sld xmlns:a="http://schemas.openxmlformats.org/drawingml/2006/main" xmlns:r="http://schemas.openxmlformats.org/officeDocument/2006/relationships" xmlns:p="http://schemas.openxmlformats.org/presentationml/2006/main">
+  <p:cSld>
+    <p:spTree>
+      <p:nvGrpSpPr>
+        <p:cNvPr id="1" name=""/>
+        <p:cNvGrpSpPr/>
+        <p:nvPr/>
+      </p:nvGrpSpPr>
+      <p:grpSpPr>
+        <a:xfrm>
+          <a:off x="0" y="0"/>
+          <a:ext cx="0" cy="0"/>
+          <a:chOff x="0" y="0"/>
+          <a:chExt cx="0" cy="0"/>
+        </a:xfrm>
+      </p:grpSpPr>
+      <p:sp>
+        <p:nvSpPr>
+          <p:cNvPr id="2" name="Titel 1"/>
+          <p:cNvSpPr>
+            <a:spLocks noGrp="1"/>
+          </p:cNvSpPr>
+          <p:nvPr>
+            <p:ph type="title"/>
+          </p:nvPr>
+        </p:nvSpPr>
+        <p:spPr/>
+        <p:txBody>
+          <a:bodyPr/>
+          <a:lstStyle/>
+          <a:p>
+            <a:r>
+              <a:rPr lang="en-US" dirty="0" smtClean="0"/>
+              <a:t>3. Comenius</a:t>
+            </a:r>
+            <a:r>
+              <a:rPr lang="en-US" dirty="0"/>
+              <a:t>, Kant, Humboldt, </a:t>
+            </a:r>
+            <a:r>
+              <a:rPr lang="en-US" dirty="0" err="1"/>
+              <a:t>Rorty</a:t>
+            </a:r>
+            <a:endParaRPr lang="en-US" dirty="0"/>
+          </a:p>
+        </p:txBody>
+      </p:sp>
+      <p:sp>
+        <p:nvSpPr>
+          <p:cNvPr id="3" name="Inhaltsplatzhalter 2"/>
+          <p:cNvSpPr>
+            <a:spLocks noGrp="1"/>
+          </p:cNvSpPr>
+          <p:nvPr>
+            <p:ph sz="half" idx="12"/>
+          </p:nvPr>
+        </p:nvSpPr>
+        <p:spPr>
+          <a:xfrm>
+            <a:off x="35496" y="1491631"/>
+            <a:ext cx="4608512" cy="3232454"/>
+          </a:xfrm>
+        </p:spPr>
+        <p:txBody>
+          <a:bodyPr/>
+          <a:lstStyle/>
+          <a:p>
+            <a:pPr marL="0" indent="0">
+              <a:buNone/>
+            </a:pPr>
+            <a:r>
+              <a:rPr lang="en-US" sz="1400" dirty="0" smtClean="0"/>
+              <a:t>3.1 </a:t>
+            </a:r>
+            <a:endParaRPr lang="de-DE" sz="1400" dirty="0" smtClean="0"/>
+          </a:p>
+          <a:p>
+            <a:r>
+              <a:rPr lang="de-DE" sz="1400" b="1" dirty="0" smtClean="0"/>
+              <a:t>Allgemeine</a:t>
+            </a:r>
+            <a:r>
+              <a:rPr lang="de-DE" sz="1400" dirty="0"/>
+              <a:t>, nicht national oder konfessionell </a:t>
+            </a:r>
+            <a:r>
+              <a:rPr lang="de-DE" sz="1400" dirty="0" smtClean="0"/>
+              <a:t>begrenzte Beratung </a:t>
+            </a:r>
+            <a:r>
+              <a:rPr lang="de-DE" sz="1400" dirty="0"/>
+              <a:t>über die Frage, wie man das, was die Menschen auf dieser </a:t>
+            </a:r>
+            <a:r>
+              <a:rPr lang="de-DE" sz="1400" dirty="0" smtClean="0"/>
+              <a:t>Welt </a:t>
+            </a:r>
+            <a:r>
+              <a:rPr lang="de-DE" sz="1400" b="1" dirty="0" smtClean="0"/>
+              <a:t>angeht</a:t>
+            </a:r>
+            <a:r>
+              <a:rPr lang="de-DE" sz="1400" dirty="0"/>
+              <a:t>, die </a:t>
+            </a:r>
+            <a:r>
+              <a:rPr lang="de-DE" sz="1400" dirty="0" err="1"/>
+              <a:t>res</a:t>
+            </a:r>
+            <a:r>
+              <a:rPr lang="de-DE" sz="1400" dirty="0"/>
+              <a:t> </a:t>
+            </a:r>
+            <a:r>
+              <a:rPr lang="de-DE" sz="1400" dirty="0" err="1"/>
+              <a:t>humanae</a:t>
+            </a:r>
+            <a:r>
+              <a:rPr lang="de-DE" sz="1400" dirty="0"/>
+              <a:t>, </a:t>
+            </a:r>
+            <a:r>
+              <a:rPr lang="de-DE" sz="1400" b="1" dirty="0"/>
+              <a:t>verbessern </a:t>
+            </a:r>
+            <a:r>
+              <a:rPr lang="de-DE" sz="1400" dirty="0"/>
+              <a:t>kann</a:t>
+            </a:r>
+            <a:r>
+              <a:rPr lang="de-DE" sz="1400" dirty="0" smtClean="0"/>
+              <a:t>“</a:t>
+            </a:r>
+          </a:p>
+          <a:p>
+            <a:r>
+              <a:rPr lang="de-DE" sz="1400" dirty="0"/>
+              <a:t>Der Mensch muss, um Mensch zu werden, </a:t>
+            </a:r>
+            <a:r>
+              <a:rPr lang="de-DE" sz="1400" dirty="0" smtClean="0"/>
+              <a:t>erzogen werden.</a:t>
+            </a:r>
+          </a:p>
+          <a:p>
+            <a:r>
+              <a:rPr lang="en-US" sz="1400" dirty="0" err="1"/>
+              <a:t>omnes</a:t>
+            </a:r>
+            <a:r>
+              <a:rPr lang="en-US" sz="1400" dirty="0"/>
+              <a:t> – </a:t>
+            </a:r>
+            <a:r>
+              <a:rPr lang="en-US" sz="1400" dirty="0" err="1"/>
+              <a:t>omnia</a:t>
+            </a:r>
+            <a:r>
+              <a:rPr lang="en-US" sz="1400" dirty="0"/>
+              <a:t> – </a:t>
+            </a:r>
+            <a:r>
+              <a:rPr lang="en-US" sz="1400" dirty="0" err="1" smtClean="0"/>
+              <a:t>omnino</a:t>
+            </a:r>
+            <a:endParaRPr lang="en-US" sz="1400" dirty="0" smtClean="0"/>
+          </a:p>
+          <a:p>
+            <a:r>
+              <a:rPr lang="en-US" sz="1400" dirty="0"/>
+              <a:t>lifelong </a:t>
+            </a:r>
+            <a:r>
+              <a:rPr lang="en-US" sz="1400" dirty="0" smtClean="0"/>
+              <a:t>learning</a:t>
+            </a:r>
+          </a:p>
+          <a:p>
+            <a:r>
+              <a:rPr lang="de-DE" sz="1400" dirty="0"/>
+              <a:t>Abbild Gottes und Unerfüllbarkeit, </a:t>
+            </a:r>
+            <a:r>
+              <a:rPr lang="de-DE" sz="1400" dirty="0" smtClean="0"/>
+              <a:t>Gott-</a:t>
+            </a:r>
+            <a:r>
+              <a:rPr lang="de-DE" sz="1400" dirty="0" err="1" smtClean="0"/>
+              <a:t>ebenbildlichkeit</a:t>
+            </a:r>
+            <a:r>
+              <a:rPr lang="de-DE" sz="1400" dirty="0" smtClean="0"/>
+              <a:t> in </a:t>
+            </a:r>
+            <a:r>
+              <a:rPr lang="de-DE" sz="1400" dirty="0"/>
+              <a:t>der Freiheit des </a:t>
+            </a:r>
+            <a:r>
+              <a:rPr lang="de-DE" sz="1400" dirty="0" smtClean="0"/>
+              <a:t>Wählens</a:t>
+            </a:r>
+          </a:p>
+          <a:p>
+            <a:pPr marL="0" indent="0">
+              <a:buNone/>
+            </a:pPr>
+            <a:r>
+              <a:rPr lang="en-US" sz="1400" dirty="0" smtClean="0"/>
+              <a:t>3.2</a:t>
+            </a:r>
+            <a:endParaRPr lang="en-US" sz="1400" dirty="0"/>
+          </a:p>
+          <a:p>
+            <a:r>
+              <a:rPr lang="en-US" sz="1400" dirty="0" err="1"/>
+              <a:t>Hineintragen</a:t>
+            </a:r>
+            <a:r>
+              <a:rPr lang="en-US" sz="1400" dirty="0"/>
+              <a:t> und </a:t>
+            </a:r>
+            <a:r>
+              <a:rPr lang="en-US" sz="1400" dirty="0" err="1"/>
+              <a:t>herausholen</a:t>
+            </a:r>
+            <a:r>
+              <a:rPr lang="en-US" sz="1400" dirty="0"/>
+              <a:t>, </a:t>
+            </a:r>
+            <a:r>
+              <a:rPr lang="en-US" sz="1400" dirty="0" err="1"/>
+              <a:t>Freiheit</a:t>
+            </a:r>
+            <a:r>
+              <a:rPr lang="en-US" sz="1400" dirty="0"/>
+              <a:t> und </a:t>
+            </a:r>
+            <a:r>
+              <a:rPr lang="en-US" sz="1400" dirty="0" err="1"/>
+              <a:t>Zwang</a:t>
+            </a:r>
+            <a:r>
+              <a:rPr lang="en-US" sz="1400" dirty="0"/>
+              <a:t>, </a:t>
+            </a:r>
+          </a:p>
+          <a:p>
+            <a:pPr marL="0" indent="0">
+              <a:buNone/>
+            </a:pPr>
+            <a:endParaRPr lang="de-DE" sz="1400" dirty="0" smtClean="0"/>
+          </a:p>
+          <a:p>
+            <a:endParaRPr lang="de-DE" sz="1400" dirty="0"/>
+          </a:p>
+          <a:p>
+            <a:endParaRPr lang="en-US" sz="1400" dirty="0" smtClean="0"/>
+          </a:p>
+          <a:p>
+            <a:pPr lvl="1"/>
+            <a:endParaRPr lang="en-US" sz="1400" dirty="0"/>
+          </a:p>
+        </p:txBody>
+      </p:sp>
+      <p:sp>
+        <p:nvSpPr>
+          <p:cNvPr id="4" name="Inhaltsplatzhalter 3"/>
+          <p:cNvSpPr>
+            <a:spLocks noGrp="1"/>
+          </p:cNvSpPr>
+          <p:nvPr>
+            <p:ph sz="half" idx="11"/>
+          </p:nvPr>
+        </p:nvSpPr>
+        <p:spPr>
+          <a:xfrm>
+            <a:off x="4499992" y="1491631"/>
+            <a:ext cx="4644008" cy="3232454"/>
+          </a:xfrm>
+        </p:spPr>
+        <p:txBody>
+          <a:bodyPr/>
+          <a:lstStyle/>
+          <a:p>
+            <a:pPr marL="0" indent="0">
+              <a:buNone/>
+            </a:pPr>
+            <a:r>
+              <a:rPr lang="en-US" sz="1600" dirty="0" smtClean="0"/>
+              <a:t>3.3</a:t>
+            </a:r>
+          </a:p>
+          <a:p>
+            <a:r>
+              <a:rPr lang="en-US" sz="1600" dirty="0" err="1" smtClean="0"/>
+              <a:t>Sprache</a:t>
+            </a:r>
+            <a:r>
+              <a:rPr lang="en-US" sz="1600" dirty="0" smtClean="0"/>
+              <a:t> </a:t>
+            </a:r>
+          </a:p>
+          <a:p>
+            <a:r>
+              <a:rPr lang="en-US" sz="1600" dirty="0" err="1" smtClean="0"/>
+              <a:t>Subjektivität</a:t>
+            </a:r>
+            <a:endParaRPr lang="en-US" sz="1600" dirty="0" smtClean="0"/>
+          </a:p>
+          <a:p>
+            <a:r>
+              <a:rPr lang="en-US" sz="1600" dirty="0" err="1" smtClean="0"/>
+              <a:t>Nützlichkeitsargument</a:t>
+            </a:r>
+            <a:r>
+              <a:rPr lang="en-US" sz="1600" dirty="0"/>
+              <a:t>, </a:t>
+            </a:r>
+            <a:r>
+              <a:rPr lang="en-US" sz="1600" dirty="0" err="1" smtClean="0"/>
+              <a:t>willkürlicher</a:t>
+            </a:r>
+            <a:endParaRPr lang="en-US" sz="1600" dirty="0" smtClean="0"/>
+          </a:p>
+          <a:p>
+            <a:r>
+              <a:rPr lang="en-US" sz="1600" dirty="0" smtClean="0"/>
+              <a:t>„(</a:t>
+            </a:r>
+            <a:r>
+              <a:rPr lang="en-US" sz="1600" dirty="0" err="1" smtClean="0"/>
+              <a:t>nicht</a:t>
+            </a:r>
+            <a:r>
+              <a:rPr lang="en-US" sz="1600" dirty="0" smtClean="0"/>
+              <a:t>-)</a:t>
+            </a:r>
+            <a:r>
+              <a:rPr lang="en-US" sz="1600" dirty="0" err="1" smtClean="0"/>
+              <a:t>affirmativer</a:t>
+            </a:r>
+            <a:r>
+              <a:rPr lang="en-US" sz="1600" dirty="0"/>
+              <a:t>“ </a:t>
+            </a:r>
+            <a:r>
+              <a:rPr lang="en-US" sz="1600" dirty="0" err="1" smtClean="0"/>
+              <a:t>Pädagogik</a:t>
+            </a:r>
+            <a:r>
+              <a:rPr lang="en-US" sz="1600" dirty="0" smtClean="0"/>
+              <a:t>, </a:t>
+            </a:r>
+            <a:r>
+              <a:rPr lang="de-DE" sz="1600" dirty="0"/>
+              <a:t>dass Bildung heute eine reflektierte Haltung gegenüber den „Positivitäten </a:t>
+            </a:r>
+            <a:r>
+              <a:rPr lang="de-DE" sz="1600" dirty="0" smtClean="0"/>
+              <a:t>und Errungenschaften </a:t>
+            </a:r>
+            <a:r>
+              <a:rPr lang="de-DE" sz="1600" dirty="0"/>
+              <a:t>der Neuzeit“ </a:t>
+            </a:r>
+            <a:r>
+              <a:rPr lang="de-DE" sz="1600" dirty="0" smtClean="0"/>
+              <a:t>verlangt</a:t>
+            </a:r>
+          </a:p>
+          <a:p>
+            <a:r>
+              <a:rPr lang="en-US" sz="1600" dirty="0"/>
+              <a:t>„</a:t>
+            </a:r>
+            <a:r>
+              <a:rPr lang="en-US" sz="1600" dirty="0" err="1"/>
+              <a:t>unbestimmte</a:t>
+            </a:r>
+            <a:r>
+              <a:rPr lang="en-US" sz="1600" dirty="0"/>
+              <a:t> </a:t>
+            </a:r>
+            <a:r>
+              <a:rPr lang="en-US" sz="1600" dirty="0" err="1"/>
+              <a:t>Bildsamkeit</a:t>
+            </a:r>
+            <a:r>
+              <a:rPr lang="en-US" sz="1600" dirty="0"/>
+              <a:t>“ vs </a:t>
+            </a:r>
+            <a:r>
+              <a:rPr lang="en-US" sz="1600" dirty="0" err="1" smtClean="0"/>
+              <a:t>gewaltanwendend</a:t>
+            </a:r>
+            <a:endParaRPr lang="en-US" sz="1600" dirty="0" smtClean="0"/>
+          </a:p>
+          <a:p>
+            <a:endParaRPr lang="en-US" sz="1600" dirty="0"/>
+          </a:p>
+          <a:p>
+            <a:endParaRPr lang="en-US" sz="1600" dirty="0" smtClean="0"/>
+          </a:p>
+          <a:p>
+            <a:endParaRPr lang="en-US" dirty="0"/>
+          </a:p>
+        </p:txBody>
+      </p:sp>
+    </p:spTree>
+    <p:extLst>
+      <p:ext uri="{BB962C8B-B14F-4D97-AF65-F5344CB8AC3E}">
+        <p14:creationId xmlns:p14="http://schemas.microsoft.com/office/powerpoint/2010/main" val="3011739439"/>
+      </p:ext>
+    </p:extLst>
+  </p:cSld>
+  <p:clrMapOvr>
+    <a:masterClrMapping/>
+  </p:clrMapOvr>
+  <p:timing>
+    <p:tnLst>
+      <p:par>
+        <p:cTn id="1" dur="indefinite" restart="never" nodeType="tmRoot"/>
+      </p:par>
+    </p:tnLst>
+  </p:timing>
+</p:sld>
+</file>
+
+<file path=ppt/slides/slide8.xml><?xml version="1.0" encoding="utf-8"?>
+<p:sld xmlns:a="http://schemas.openxmlformats.org/drawingml/2006/main" xmlns:r="http://schemas.openxmlformats.org/officeDocument/2006/relationships" xmlns:p="http://schemas.openxmlformats.org/presentationml/2006/main">
+  <p:cSld>
+    <p:spTree>
+      <p:nvGrpSpPr>
+        <p:cNvPr id="1" name=""/>
+        <p:cNvGrpSpPr/>
+        <p:nvPr/>
+      </p:nvGrpSpPr>
+      <p:grpSpPr>
+        <a:xfrm>
+          <a:off x="0" y="0"/>
+          <a:ext cx="0" cy="0"/>
+          <a:chOff x="0" y="0"/>
+          <a:chExt cx="0" cy="0"/>
+        </a:xfrm>
+      </p:grpSpPr>
+      <p:sp>
+        <p:nvSpPr>
+          <p:cNvPr id="2" name="Titel 1"/>
+          <p:cNvSpPr>
+            <a:spLocks noGrp="1"/>
+          </p:cNvSpPr>
+          <p:nvPr>
+            <p:ph type="title"/>
+          </p:nvPr>
+        </p:nvSpPr>
+        <p:spPr/>
+        <p:txBody>
+          <a:bodyPr/>
+          <a:lstStyle/>
+          <a:p>
+            <a:r>
+              <a:rPr lang="en-US" dirty="0" smtClean="0"/>
+              <a:t>4. </a:t>
+            </a:r>
+            <a:r>
+              <a:rPr lang="en-US" dirty="0" err="1" smtClean="0"/>
+              <a:t>Didaktischen</a:t>
+            </a:r>
+            <a:r>
+              <a:rPr lang="en-US" dirty="0" smtClean="0"/>
+              <a:t> </a:t>
+            </a:r>
+            <a:r>
+              <a:rPr lang="en-US" dirty="0" err="1"/>
+              <a:t>Dreiecks</a:t>
+            </a:r>
+            <a:endParaRPr lang="en-US" dirty="0"/>
+          </a:p>
+        </p:txBody>
+      </p:sp>
+      <p:sp>
+        <p:nvSpPr>
+          <p:cNvPr id="3" name="Inhaltsplatzhalter 2"/>
+          <p:cNvSpPr>
+            <a:spLocks noGrp="1"/>
+          </p:cNvSpPr>
+          <p:nvPr>
+            <p:ph sz="half" idx="12"/>
+          </p:nvPr>
+        </p:nvSpPr>
+        <p:spPr/>
+        <p:txBody>
+          <a:bodyPr/>
+          <a:lstStyle/>
+          <a:p>
+            <a:pPr marL="0" indent="0">
+              <a:buNone/>
+            </a:pPr>
+            <a:r>
+              <a:rPr lang="en-US" sz="1600" dirty="0" smtClean="0"/>
+              <a:t>3.4</a:t>
+            </a:r>
+          </a:p>
+          <a:p>
+            <a:r>
+              <a:rPr lang="de-DE" sz="1600" dirty="0"/>
+              <a:t>radikale </a:t>
+            </a:r>
+            <a:r>
+              <a:rPr lang="de-DE" sz="1600" dirty="0" smtClean="0"/>
+              <a:t>Konstruktivismus, Neo-Pragmatismus</a:t>
+            </a:r>
+          </a:p>
+          <a:p>
+            <a:r>
+              <a:rPr lang="en-US" sz="1600" dirty="0" err="1" smtClean="0"/>
+              <a:t>Ratschläge</a:t>
+            </a:r>
+            <a:r>
+              <a:rPr lang="en-US" sz="1600" dirty="0" smtClean="0"/>
+              <a:t> </a:t>
+            </a:r>
+            <a:r>
+              <a:rPr lang="en-US" sz="1600" dirty="0" err="1" smtClean="0"/>
+              <a:t>sind</a:t>
+            </a:r>
+            <a:r>
+              <a:rPr lang="en-US" sz="1600" dirty="0" smtClean="0"/>
+              <a:t> </a:t>
+            </a:r>
+            <a:r>
+              <a:rPr lang="en-US" sz="1600" dirty="0" err="1" smtClean="0"/>
+              <a:t>problematisch</a:t>
+            </a:r>
+            <a:endParaRPr lang="en-US" sz="1600" dirty="0" smtClean="0"/>
+          </a:p>
+          <a:p>
+            <a:r>
+              <a:rPr lang="en-US" sz="1600" dirty="0" smtClean="0"/>
+              <a:t>de-</a:t>
+            </a:r>
+            <a:r>
+              <a:rPr lang="en-US" sz="1600" dirty="0" err="1" smtClean="0"/>
+              <a:t>subjektivierung</a:t>
+            </a:r>
+            <a:endParaRPr lang="en-US" sz="1600" dirty="0" smtClean="0"/>
+          </a:p>
+          <a:p>
+            <a:r>
+              <a:rPr lang="de-DE" sz="1600" dirty="0" smtClean="0"/>
+              <a:t>„</a:t>
+            </a:r>
+            <a:r>
+              <a:rPr lang="de-DE" sz="1600" dirty="0"/>
+              <a:t>Transformation“ des Welt- und </a:t>
+            </a:r>
+            <a:r>
+              <a:rPr lang="de-DE" sz="1600" dirty="0" smtClean="0"/>
+              <a:t>Selbstverhältnisses </a:t>
+            </a:r>
+            <a:r>
+              <a:rPr lang="de-DE" sz="1600" dirty="0"/>
+              <a:t>der </a:t>
+            </a:r>
+            <a:r>
+              <a:rPr lang="de-DE" sz="1600" dirty="0" smtClean="0"/>
+              <a:t>Lernenden</a:t>
+            </a:r>
+          </a:p>
+          <a:p>
+            <a:endParaRPr lang="en-US" sz="1600" dirty="0"/>
+          </a:p>
+        </p:txBody>
+      </p:sp>
+      <p:sp>
+        <p:nvSpPr>
+          <p:cNvPr id="4" name="Inhaltsplatzhalter 3"/>
+          <p:cNvSpPr>
+            <a:spLocks noGrp="1"/>
+          </p:cNvSpPr>
+          <p:nvPr>
+            <p:ph sz="half" idx="11"/>
+          </p:nvPr>
+        </p:nvSpPr>
+        <p:spPr/>
+        <p:txBody>
+          <a:bodyPr/>
+          <a:lstStyle/>
+          <a:p>
+            <a:pPr marL="0" indent="0">
+              <a:buNone/>
+            </a:pPr>
+            <a:r>
+              <a:rPr lang="en-US" sz="1600" dirty="0" smtClean="0"/>
+              <a:t>4</a:t>
+            </a:r>
+          </a:p>
+          <a:p>
+            <a:r>
+              <a:rPr lang="en-US" sz="1600" dirty="0" err="1" smtClean="0"/>
+              <a:t>Dreieck</a:t>
+            </a:r>
+            <a:r>
+              <a:rPr lang="en-US" sz="1600" dirty="0" smtClean="0"/>
+              <a:t>, </a:t>
+            </a:r>
+            <a:r>
+              <a:rPr lang="en-US" sz="1600" dirty="0" err="1" smtClean="0"/>
+              <a:t>ausproblematisiert</a:t>
+            </a:r>
+            <a:r>
+              <a:rPr lang="en-US" sz="1600" dirty="0" smtClean="0"/>
+              <a:t>: 1 </a:t>
+            </a:r>
+            <a:r>
+              <a:rPr lang="en-US" sz="1600" dirty="0" err="1" smtClean="0"/>
+              <a:t>Belehrung</a:t>
+            </a:r>
+            <a:r>
+              <a:rPr lang="en-US" sz="1600" dirty="0" smtClean="0"/>
+              <a:t> vs </a:t>
+            </a:r>
+            <a:r>
+              <a:rPr lang="en-US" sz="1600" dirty="0" err="1" smtClean="0"/>
+              <a:t>Unterstützung</a:t>
+            </a:r>
+            <a:r>
+              <a:rPr lang="en-US" sz="1600" dirty="0" smtClean="0"/>
+              <a:t>, 2 </a:t>
+            </a:r>
+            <a:r>
+              <a:rPr lang="en-US" sz="1600" dirty="0" err="1" smtClean="0"/>
+              <a:t>Identitätsentwicklung</a:t>
+            </a:r>
+            <a:r>
+              <a:rPr lang="en-US" sz="1600" dirty="0" smtClean="0"/>
+              <a:t>? 3 </a:t>
+            </a:r>
+            <a:r>
+              <a:rPr lang="en-US" sz="1600" dirty="0" err="1" smtClean="0"/>
+              <a:t>Keine</a:t>
+            </a:r>
+            <a:r>
+              <a:rPr lang="en-US" sz="1600" dirty="0" smtClean="0"/>
+              <a:t> </a:t>
+            </a:r>
+            <a:r>
+              <a:rPr lang="en-US" sz="1600" dirty="0" err="1" smtClean="0"/>
+              <a:t>Selbstverständliche</a:t>
+            </a:r>
+            <a:r>
+              <a:rPr lang="en-US" sz="1600" dirty="0" smtClean="0"/>
+              <a:t> </a:t>
+            </a:r>
+            <a:r>
+              <a:rPr lang="en-US" sz="1600" dirty="0" err="1" smtClean="0"/>
+              <a:t>Inhalte</a:t>
+            </a:r>
+            <a:r>
+              <a:rPr lang="en-US" sz="1600" dirty="0" smtClean="0"/>
+              <a:t> </a:t>
+            </a:r>
+          </a:p>
+          <a:p>
+            <a:r>
+              <a:rPr lang="de-DE" sz="1600" dirty="0"/>
+              <a:t>ob und wie </a:t>
+            </a:r>
+            <a:r>
+              <a:rPr lang="de-DE" sz="1600" dirty="0" smtClean="0"/>
+              <a:t>kann durch </a:t>
+            </a:r>
+            <a:r>
+              <a:rPr lang="de-DE" sz="1600" dirty="0"/>
+              <a:t>Unterricht geförderte </a:t>
+            </a:r>
+            <a:r>
+              <a:rPr lang="de-DE" sz="1600" dirty="0" smtClean="0"/>
+              <a:t>Bildung </a:t>
+            </a:r>
+            <a:r>
+              <a:rPr lang="de-DE" sz="1600"/>
+              <a:t>gedacht </a:t>
+            </a:r>
+            <a:r>
+              <a:rPr lang="de-DE" sz="1600" smtClean="0"/>
+              <a:t>werden&gt;</a:t>
+            </a:r>
+            <a:endParaRPr lang="en-US" sz="1600" dirty="0"/>
+          </a:p>
+        </p:txBody>
+      </p:sp>
+    </p:spTree>
+    <p:extLst>
+      <p:ext uri="{BB962C8B-B14F-4D97-AF65-F5344CB8AC3E}">
+        <p14:creationId xmlns:p14="http://schemas.microsoft.com/office/powerpoint/2010/main" val="4278177157"/>
+      </p:ext>
+    </p:extLst>
+  </p:cSld>
+  <p:clrMapOvr>
+    <a:masterClrMapping/>
+  </p:clrMapOvr>
+  <p:timing>
+    <p:tnLst>
+      <p:par>
+        <p:cTn id="1" dur="indefinite" restart="never" nodeType="tmRoot"/>
+      </p:par>
+    </p:tnLst>
+  </p:timing>
+</p:sld>
+</file>
+
+<file path=ppt/slides/slide9.xml><?xml version="1.0" encoding="utf-8"?>
 <p:sld xmlns:a="http://schemas.openxmlformats.org/drawingml/2006/main" xmlns:r="http://schemas.openxmlformats.org/officeDocument/2006/relationships" xmlns:p="http://schemas.openxmlformats.org/presentationml/2006/main">
   <p:cSld>
     <p:spTree>
@@ -4305,162 +5430,13 @@
   <p:clrMapOvr>
     <a:masterClrMapping/>
   </p:clrMapOvr>
-</p:sld>
-</file>
-
-<file path=ppt/slides/slide7.xml><?xml version="1.0" encoding="utf-8"?>
-<p:sld xmlns:a="http://schemas.openxmlformats.org/drawingml/2006/main" xmlns:r="http://schemas.openxmlformats.org/officeDocument/2006/relationships" xmlns:p="http://schemas.openxmlformats.org/presentationml/2006/main">
-  <p:cSld>
-    <p:spTree>
-      <p:nvGrpSpPr>
-        <p:cNvPr id="1" name=""/>
-        <p:cNvGrpSpPr/>
-        <p:nvPr/>
-      </p:nvGrpSpPr>
-      <p:grpSpPr>
-        <a:xfrm>
-          <a:off x="0" y="0"/>
-          <a:ext cx="0" cy="0"/>
-          <a:chOff x="0" y="0"/>
-          <a:chExt cx="0" cy="0"/>
-        </a:xfrm>
-      </p:grpSpPr>
-      <p:sp>
-        <p:nvSpPr>
-          <p:cNvPr id="2" name="Title 1">
-            <a:extLst>
-              <a:ext uri="{FF2B5EF4-FFF2-40B4-BE49-F238E27FC236}">
-                <a16:creationId xmlns:a16="http://schemas.microsoft.com/office/drawing/2014/main" id="{0DC37077-DE75-4E1A-9675-9E8C39ED87C0}"/>
-              </a:ext>
-            </a:extLst>
-          </p:cNvPr>
-          <p:cNvSpPr>
-            <a:spLocks noGrp="1"/>
-          </p:cNvSpPr>
-          <p:nvPr>
-            <p:ph type="title"/>
-          </p:nvPr>
-        </p:nvSpPr>
-        <p:spPr/>
-        <p:txBody>
-          <a:bodyPr/>
-          <a:lstStyle/>
-          <a:p>
-            <a:r>
-              <a:rPr lang="de-DE" sz="1800" dirty="0"/>
-              <a:t>Nächste</a:t>
-            </a:r>
-            <a:r>
-              <a:rPr lang="en-US" sz="1800" dirty="0"/>
-              <a:t> </a:t>
-            </a:r>
-            <a:r>
-              <a:rPr lang="en-US" sz="1800" dirty="0" err="1"/>
-              <a:t>Woche</a:t>
-            </a:r>
-            <a:r>
-              <a:rPr lang="en-US" sz="1800" dirty="0"/>
-              <a:t>: </a:t>
-            </a:r>
-            <a:r>
-              <a:rPr lang="de-DE" sz="1800"/>
-              <a:t>Bildung</a:t>
-            </a:r>
-            <a:br>
-              <a:rPr lang="de-DE" sz="1800" dirty="0"/>
-            </a:br>
-            <a:endParaRPr lang="en-US" sz="1800" dirty="0"/>
-          </a:p>
-        </p:txBody>
-      </p:sp>
-      <p:sp>
-        <p:nvSpPr>
-          <p:cNvPr id="3" name="Text Placeholder 2">
-            <a:extLst>
-              <a:ext uri="{FF2B5EF4-FFF2-40B4-BE49-F238E27FC236}">
-                <a16:creationId xmlns:a16="http://schemas.microsoft.com/office/drawing/2014/main" id="{9A8B9131-451A-4C09-ABBC-166016A890C0}"/>
-              </a:ext>
-            </a:extLst>
-          </p:cNvPr>
-          <p:cNvSpPr>
-            <a:spLocks noGrp="1"/>
-          </p:cNvSpPr>
-          <p:nvPr>
-            <p:ph type="body" sz="quarter" idx="10"/>
-          </p:nvPr>
-        </p:nvSpPr>
-        <p:spPr/>
-        <p:txBody>
-          <a:bodyPr/>
-          <a:lstStyle/>
-          <a:p>
-            <a:r>
-              <a:rPr lang="de-DE" sz="1400" dirty="0"/>
-              <a:t>Aufgabe (Nachbereitung von heute)</a:t>
-            </a:r>
-          </a:p>
-          <a:p>
-            <a:pPr lvl="1"/>
-            <a:r>
-              <a:rPr lang="de-DE" sz="1400" dirty="0"/>
-              <a:t>Erster Eintrag im Portfolio (Meyer)</a:t>
-            </a:r>
-          </a:p>
-          <a:p>
-            <a:r>
-              <a:rPr lang="de-DE" sz="1400" dirty="0"/>
-              <a:t>Vorbereitendes Material (bevor nächstes Seminar): </a:t>
-            </a:r>
-          </a:p>
-          <a:p>
-            <a:pPr lvl="1"/>
-            <a:r>
-              <a:rPr lang="de-DE" sz="1400" dirty="0" err="1"/>
-              <a:t>Dörpinghaus</a:t>
-            </a:r>
-            <a:r>
-              <a:rPr lang="de-DE" sz="1400" dirty="0"/>
-              <a:t>, Teil 1</a:t>
-            </a:r>
-          </a:p>
-          <a:p>
-            <a:pPr lvl="1"/>
-            <a:r>
-              <a:rPr lang="de-DE" sz="1400" dirty="0"/>
-              <a:t>Interpretationshinweise </a:t>
-            </a:r>
-          </a:p>
-          <a:p>
-            <a:pPr lvl="1"/>
-            <a:r>
-              <a:rPr lang="de-DE" sz="1400" dirty="0">
-                <a:hlinkClick r:id="rId3"/>
-              </a:rPr>
-              <a:t>Humboldt (Podcast) </a:t>
-            </a:r>
-            <a:endParaRPr lang="de-DE" sz="1400" dirty="0"/>
-          </a:p>
-          <a:p>
-            <a:endParaRPr lang="de-DE" sz="1400" dirty="0"/>
-          </a:p>
-          <a:p>
-            <a:endParaRPr lang="en-US" sz="2400" dirty="0"/>
-          </a:p>
-          <a:p>
-            <a:endParaRPr lang="en-US" sz="1400" dirty="0"/>
-          </a:p>
-        </p:txBody>
-      </p:sp>
-    </p:spTree>
-    <p:extLst>
-      <p:ext uri="{BB962C8B-B14F-4D97-AF65-F5344CB8AC3E}">
-        <p14:creationId xmlns:p14="http://schemas.microsoft.com/office/powerpoint/2010/main" val="2015919101"/>
-      </p:ext>
-    </p:extLst>
-  </p:cSld>
-  <p:clrMapOvr>
-    <a:masterClrMapping/>
-  </p:clrMapOvr>
+  <p:timing>
+    <p:tnLst>
+      <p:par>
+        <p:cTn id="1" dur="indefinite" restart="never" nodeType="tmRoot"/>
+      </p:par>
+    </p:tnLst>
+  </p:timing>
 </p:sld>
 </file>
 
